--- a/placeholder.pptx
+++ b/placeholder.pptx
@@ -120,6 +120,7 @@
     <p1510:client id="{ABB433DE-8DE7-EB65-11B0-F01847659B5B}" v="170" dt="2021-10-14T11:45:39.854"/>
     <p1510:client id="{BEA3B990-66CF-4413-9382-701C0A5AD28E}" v="786" dt="2021-10-14T09:38:07.272"/>
     <p1510:client id="{E5650429-80A5-F8CC-95A1-4FFA4FA57543}" v="12" dt="2021-10-14T11:09:57.349"/>
+    <p1510:client id="{ECD9D8D5-90C7-FD99-DC50-4167921AACEE}" v="39" dt="2021-10-26T11:39:49.058"/>
   </p1510:revLst>
 </p1510:revInfo>
 </file>
@@ -255,7 +256,7 @@
           <a:p>
             <a:fld id="{846CE7D5-CF57-46EF-B807-FDD0502418D4}" type="datetimeFigureOut">
               <a:rPr lang="en-US" smtClean="0"/>
-              <a:t>10/18/2021</a:t>
+              <a:t>10/27/2021</a:t>
             </a:fld>
             <a:endParaRPr lang="en-US"/>
           </a:p>
@@ -425,7 +426,7 @@
           <a:p>
             <a:fld id="{846CE7D5-CF57-46EF-B807-FDD0502418D4}" type="datetimeFigureOut">
               <a:rPr lang="en-US" smtClean="0"/>
-              <a:t>10/18/2021</a:t>
+              <a:t>10/27/2021</a:t>
             </a:fld>
             <a:endParaRPr lang="en-US"/>
           </a:p>
@@ -605,7 +606,7 @@
           <a:p>
             <a:fld id="{846CE7D5-CF57-46EF-B807-FDD0502418D4}" type="datetimeFigureOut">
               <a:rPr lang="en-US" smtClean="0"/>
-              <a:t>10/18/2021</a:t>
+              <a:t>10/27/2021</a:t>
             </a:fld>
             <a:endParaRPr lang="en-US"/>
           </a:p>
@@ -775,7 +776,7 @@
           <a:p>
             <a:fld id="{846CE7D5-CF57-46EF-B807-FDD0502418D4}" type="datetimeFigureOut">
               <a:rPr lang="en-US" smtClean="0"/>
-              <a:t>10/18/2021</a:t>
+              <a:t>10/27/2021</a:t>
             </a:fld>
             <a:endParaRPr lang="en-US"/>
           </a:p>
@@ -1021,7 +1022,7 @@
           <a:p>
             <a:fld id="{846CE7D5-CF57-46EF-B807-FDD0502418D4}" type="datetimeFigureOut">
               <a:rPr lang="en-US" smtClean="0"/>
-              <a:t>10/18/2021</a:t>
+              <a:t>10/27/2021</a:t>
             </a:fld>
             <a:endParaRPr lang="en-US"/>
           </a:p>
@@ -1253,7 +1254,7 @@
           <a:p>
             <a:fld id="{846CE7D5-CF57-46EF-B807-FDD0502418D4}" type="datetimeFigureOut">
               <a:rPr lang="en-US" smtClean="0"/>
-              <a:t>10/18/2021</a:t>
+              <a:t>10/27/2021</a:t>
             </a:fld>
             <a:endParaRPr lang="en-US"/>
           </a:p>
@@ -1620,7 +1621,7 @@
           <a:p>
             <a:fld id="{846CE7D5-CF57-46EF-B807-FDD0502418D4}" type="datetimeFigureOut">
               <a:rPr lang="en-US" smtClean="0"/>
-              <a:t>10/18/2021</a:t>
+              <a:t>10/27/2021</a:t>
             </a:fld>
             <a:endParaRPr lang="en-US"/>
           </a:p>
@@ -1738,7 +1739,7 @@
           <a:p>
             <a:fld id="{846CE7D5-CF57-46EF-B807-FDD0502418D4}" type="datetimeFigureOut">
               <a:rPr lang="en-US" smtClean="0"/>
-              <a:t>10/18/2021</a:t>
+              <a:t>10/27/2021</a:t>
             </a:fld>
             <a:endParaRPr lang="en-US"/>
           </a:p>
@@ -1833,7 +1834,7 @@
           <a:p>
             <a:fld id="{846CE7D5-CF57-46EF-B807-FDD0502418D4}" type="datetimeFigureOut">
               <a:rPr lang="en-US" smtClean="0"/>
-              <a:t>10/18/2021</a:t>
+              <a:t>10/27/2021</a:t>
             </a:fld>
             <a:endParaRPr lang="en-US"/>
           </a:p>
@@ -2110,7 +2111,7 @@
           <a:p>
             <a:fld id="{846CE7D5-CF57-46EF-B807-FDD0502418D4}" type="datetimeFigureOut">
               <a:rPr lang="en-US" smtClean="0"/>
-              <a:t>10/18/2021</a:t>
+              <a:t>10/27/2021</a:t>
             </a:fld>
             <a:endParaRPr lang="en-US"/>
           </a:p>
@@ -2367,7 +2368,7 @@
           <a:p>
             <a:fld id="{846CE7D5-CF57-46EF-B807-FDD0502418D4}" type="datetimeFigureOut">
               <a:rPr lang="en-US" smtClean="0"/>
-              <a:t>10/18/2021</a:t>
+              <a:t>10/27/2021</a:t>
             </a:fld>
             <a:endParaRPr lang="en-US"/>
           </a:p>
@@ -2580,7 +2581,7 @@
           <a:p>
             <a:fld id="{846CE7D5-CF57-46EF-B807-FDD0502418D4}" type="datetimeFigureOut">
               <a:rPr lang="en-US" smtClean="0"/>
-              <a:t>10/18/2021</a:t>
+              <a:t>10/27/2021</a:t>
             </a:fld>
             <a:endParaRPr lang="en-US"/>
           </a:p>
@@ -3075,14 +3076,14 @@
           <p:nvPr>
             <p:extLst>
               <p:ext uri="{D42A27DB-BD31-4B8C-83A1-F6EECF244321}">
-                <p14:modId xmlns:p14="http://schemas.microsoft.com/office/powerpoint/2010/main" val="1711372386"/>
+                <p14:modId xmlns:p14="http://schemas.microsoft.com/office/powerpoint/2010/main" val="1430207669"/>
               </p:ext>
             </p:extLst>
           </p:nvPr>
         </p:nvGraphicFramePr>
         <p:xfrm>
-          <a:off x="499533" y="2683933"/>
-          <a:ext cx="11314078" cy="1326647"/>
+          <a:off x="228600" y="2692400"/>
+          <a:ext cx="11789060" cy="1326647"/>
         </p:xfrm>
         <a:graphic>
           <a:graphicData uri="http://schemas.openxmlformats.org/drawingml/2006/table">
@@ -3091,45 +3092,52 @@
                 <a:tableStyleId>{2D5ABB26-0587-4C30-8999-92F81FD0307C}</a:tableStyleId>
               </a:tblPr>
               <a:tblGrid>
-                <a:gridCol w="953667">
+                <a:gridCol w="851746">
                   <a:extLst>
                     <a:ext uri="{9D8B030D-6E8A-4147-A177-3AD203B41FA5}">
                       <a16:colId xmlns:a16="http://schemas.microsoft.com/office/drawing/2014/main" val="1786597057"/>
                     </a:ext>
                   </a:extLst>
                 </a:gridCol>
-                <a:gridCol w="2063228">
+                <a:gridCol w="2086186">
                   <a:extLst>
                     <a:ext uri="{9D8B030D-6E8A-4147-A177-3AD203B41FA5}">
                       <a16:colId xmlns:a16="http://schemas.microsoft.com/office/drawing/2014/main" val="1936470344"/>
                     </a:ext>
                   </a:extLst>
                 </a:gridCol>
-                <a:gridCol w="2044887">
+                <a:gridCol w="1582884">
                   <a:extLst>
                     <a:ext uri="{9D8B030D-6E8A-4147-A177-3AD203B41FA5}">
                       <a16:colId xmlns:a16="http://schemas.microsoft.com/office/drawing/2014/main" val="3147797879"/>
                     </a:ext>
                   </a:extLst>
                 </a:gridCol>
-                <a:gridCol w="2439194">
+                <a:gridCol w="2440092">
                   <a:extLst>
                     <a:ext uri="{9D8B030D-6E8A-4147-A177-3AD203B41FA5}">
                       <a16:colId xmlns:a16="http://schemas.microsoft.com/office/drawing/2014/main" val="78292725"/>
                     </a:ext>
                   </a:extLst>
                 </a:gridCol>
-                <a:gridCol w="1927421">
+                <a:gridCol w="1592580">
                   <a:extLst>
                     <a:ext uri="{9D8B030D-6E8A-4147-A177-3AD203B41FA5}">
                       <a16:colId xmlns:a16="http://schemas.microsoft.com/office/drawing/2014/main" val="2212457586"/>
                     </a:ext>
                   </a:extLst>
                 </a:gridCol>
-                <a:gridCol w="1885681">
+                <a:gridCol w="1748561">
                   <a:extLst>
                     <a:ext uri="{9D8B030D-6E8A-4147-A177-3AD203B41FA5}">
                       <a16:colId xmlns:a16="http://schemas.microsoft.com/office/drawing/2014/main" val="1181174887"/>
+                    </a:ext>
+                  </a:extLst>
+                </a:gridCol>
+                <a:gridCol w="1487011">
+                  <a:extLst>
+                    <a:ext uri="{9D8B030D-6E8A-4147-A177-3AD203B41FA5}">
+                      <a16:colId xmlns:a16="http://schemas.microsoft.com/office/drawing/2014/main" val="1756295647"/>
                     </a:ext>
                   </a:extLst>
                 </a:gridCol>
@@ -3320,13 +3328,52 @@
                         <a:schemeClr val="bg1"/>
                       </a:solidFill>
                     </a:lnL>
+                    <a:lnR w="3175">
+                      <a:solidFill>
+                        <a:schemeClr val="bg1"/>
+                      </a:solidFill>
+                    </a:lnR>
+                    <a:lnT w="0">
+                      <a:noFill/>
+                    </a:lnT>
+                    <a:lnB w="3175">
+                      <a:solidFill>
+                        <a:schemeClr val="bg1"/>
+                      </a:solidFill>
+                    </a:lnB>
+                  </a:tcPr>
+                </a:tc>
+                <a:tc>
+                  <a:txBody>
+                    <a:bodyPr/>
+                    <a:lstStyle/>
+                    <a:p>
+                      <a:pPr lvl="0" algn="ctr">
+                        <a:buNone/>
+                      </a:pPr>
+                      <a:r>
+                        <a:rPr lang="en-US" sz="1400" dirty="0"/>
+                        <a:t>CALL</a:t>
+                      </a:r>
+                    </a:p>
+                  </a:txBody>
+                  <a:tcPr>
+                    <a:lnL w="3175" cap="flat" cmpd="sng" algn="ctr">
+                      <a:solidFill>
+                        <a:schemeClr val="bg1"/>
+                      </a:solidFill>
+                      <a:prstDash val="solid"/>
+                      <a:round/>
+                      <a:headEnd type="none" w="med" len="med"/>
+                      <a:tailEnd type="none" w="med" len="med"/>
+                    </a:lnL>
                     <a:lnR w="0">
                       <a:noFill/>
                     </a:lnR>
                     <a:lnT w="0">
                       <a:noFill/>
                     </a:lnT>
-                    <a:lnB w="3175">
+                    <a:lnB w="3174">
                       <a:solidFill>
                         <a:schemeClr val="bg1"/>
                       </a:solidFill>
@@ -3570,21 +3617,62 @@
                         <a:schemeClr val="bg1"/>
                       </a:solidFill>
                     </a:lnL>
+                    <a:lnR w="3175">
+                      <a:solidFill>
+                        <a:schemeClr val="bg1"/>
+                      </a:solidFill>
+                    </a:lnR>
+                    <a:lnT w="3175">
+                      <a:solidFill>
+                        <a:schemeClr val="bg1"/>
+                      </a:solidFill>
+                    </a:lnT>
+                    <a:lnB w="3175">
+                      <a:solidFill>
+                        <a:schemeClr val="bg1"/>
+                      </a:solidFill>
+                    </a:lnB>
+                    <a:solidFill>
+                      <a:schemeClr val="accent6"/>
+                    </a:solidFill>
+                  </a:tcPr>
+                </a:tc>
+                <a:tc>
+                  <a:txBody>
+                    <a:bodyPr/>
+                    <a:lstStyle/>
+                    <a:p>
+                      <a:pPr lvl="0" algn="ctr">
+                        <a:buNone/>
+                      </a:pPr>
+                      <a:endParaRPr lang="en-US" sz="1400" dirty="0"/>
+                    </a:p>
+                  </a:txBody>
+                  <a:tcPr>
+                    <a:lnL w="3175" cap="flat" cmpd="sng" algn="ctr">
+                      <a:solidFill>
+                        <a:schemeClr val="bg1"/>
+                      </a:solidFill>
+                      <a:prstDash val="solid"/>
+                      <a:round/>
+                      <a:headEnd type="none" w="med" len="med"/>
+                      <a:tailEnd type="none" w="med" len="med"/>
+                    </a:lnL>
                     <a:lnR w="0">
                       <a:noFill/>
                     </a:lnR>
-                    <a:lnT w="3175">
+                    <a:lnT w="3174">
                       <a:solidFill>
                         <a:schemeClr val="bg1"/>
                       </a:solidFill>
                     </a:lnT>
-                    <a:lnB w="3175">
+                    <a:lnB w="3174">
                       <a:solidFill>
                         <a:schemeClr val="bg1"/>
                       </a:solidFill>
                     </a:lnB>
                     <a:solidFill>
-                      <a:schemeClr val="accent6"/>
+                      <a:srgbClr val="F54747"/>
                     </a:solidFill>
                   </a:tcPr>
                 </a:tc>
@@ -3816,21 +3904,69 @@
                         <a:schemeClr val="bg1"/>
                       </a:solidFill>
                     </a:lnL>
+                    <a:lnR w="3175">
+                      <a:solidFill>
+                        <a:schemeClr val="bg1"/>
+                      </a:solidFill>
+                    </a:lnR>
+                    <a:lnT w="3175">
+                      <a:solidFill>
+                        <a:schemeClr val="bg1"/>
+                      </a:solidFill>
+                    </a:lnT>
+                    <a:lnB w="3175">
+                      <a:solidFill>
+                        <a:schemeClr val="bg1"/>
+                      </a:solidFill>
+                    </a:lnB>
+                    <a:solidFill>
+                      <a:srgbClr val="F54747"/>
+                    </a:solidFill>
+                  </a:tcPr>
+                </a:tc>
+                <a:tc>
+                  <a:txBody>
+                    <a:bodyPr/>
+                    <a:lstStyle/>
+                    <a:p>
+                      <a:pPr lvl="0" algn="ctr">
+                        <a:buNone/>
+                      </a:pPr>
+                      <a:endParaRPr lang="en-US" sz="1400" kern="1200" dirty="0">
+                        <a:solidFill>
+                          <a:schemeClr val="tx1"/>
+                        </a:solidFill>
+                        <a:latin typeface="+mn-lt"/>
+                        <a:ea typeface="+mn-ea"/>
+                        <a:cs typeface="+mn-cs"/>
+                      </a:endParaRPr>
+                    </a:p>
+                  </a:txBody>
+                  <a:tcPr>
+                    <a:lnL w="3175" cap="flat" cmpd="sng" algn="ctr">
+                      <a:solidFill>
+                        <a:schemeClr val="bg1"/>
+                      </a:solidFill>
+                      <a:prstDash val="solid"/>
+                      <a:round/>
+                      <a:headEnd type="none" w="med" len="med"/>
+                      <a:tailEnd type="none" w="med" len="med"/>
+                    </a:lnL>
                     <a:lnR w="0">
                       <a:noFill/>
                     </a:lnR>
-                    <a:lnT w="3175">
+                    <a:lnT w="3174">
                       <a:solidFill>
                         <a:schemeClr val="bg1"/>
                       </a:solidFill>
                     </a:lnT>
-                    <a:lnB w="3175">
+                    <a:lnB w="3174">
                       <a:solidFill>
                         <a:schemeClr val="bg1"/>
                       </a:solidFill>
                     </a:lnB>
                     <a:solidFill>
-                      <a:srgbClr val="F54747"/>
+                      <a:schemeClr val="accent6"/>
                     </a:solidFill>
                   </a:tcPr>
                 </a:tc>
@@ -4064,10 +4200,51 @@
                         <a:schemeClr val="bg1"/>
                       </a:solidFill>
                     </a:lnL>
+                    <a:lnR w="3175">
+                      <a:solidFill>
+                        <a:schemeClr val="bg1"/>
+                      </a:solidFill>
+                    </a:lnR>
+                    <a:lnT w="3175">
+                      <a:solidFill>
+                        <a:schemeClr val="bg1"/>
+                      </a:solidFill>
+                    </a:lnT>
+                    <a:lnB w="0">
+                      <a:noFill/>
+                    </a:lnB>
+                    <a:solidFill>
+                      <a:srgbClr val="F54747"/>
+                    </a:solidFill>
+                  </a:tcPr>
+                </a:tc>
+                <a:tc>
+                  <a:txBody>
+                    <a:bodyPr/>
+                    <a:lstStyle/>
+                    <a:p>
+                      <a:pPr lvl="0" algn="ctr">
+                        <a:buNone/>
+                      </a:pPr>
+                      <a:endParaRPr lang="en-US" sz="1400" b="1" i="0" u="none" strike="noStrike" noProof="0" dirty="0">
+                        <a:latin typeface="Calibri"/>
+                      </a:endParaRPr>
+                    </a:p>
+                  </a:txBody>
+                  <a:tcPr>
+                    <a:lnL w="3175" cap="flat" cmpd="sng" algn="ctr">
+                      <a:solidFill>
+                        <a:schemeClr val="bg1"/>
+                      </a:solidFill>
+                      <a:prstDash val="solid"/>
+                      <a:round/>
+                      <a:headEnd type="none" w="med" len="med"/>
+                      <a:tailEnd type="none" w="med" len="med"/>
+                    </a:lnL>
                     <a:lnR w="0">
                       <a:noFill/>
                     </a:lnR>
-                    <a:lnT w="3175">
+                    <a:lnT w="3174">
                       <a:solidFill>
                         <a:schemeClr val="bg1"/>
                       </a:solidFill>
@@ -4118,7 +4295,7 @@
         </p:blipFill>
         <p:spPr>
           <a:xfrm>
-            <a:off x="4411133" y="3022600"/>
+            <a:off x="3843866" y="3056467"/>
             <a:ext cx="262467" cy="262467"/>
           </a:xfrm>
           <a:prstGeom prst="rect">
@@ -4154,7 +4331,7 @@
         </p:blipFill>
         <p:spPr>
           <a:xfrm>
-            <a:off x="8915399" y="3022599"/>
+            <a:off x="7857066" y="3022599"/>
             <a:ext cx="262467" cy="262467"/>
           </a:xfrm>
           <a:prstGeom prst="rect">
@@ -4190,7 +4367,7 @@
         </p:blipFill>
         <p:spPr>
           <a:xfrm>
-            <a:off x="8889998" y="3742266"/>
+            <a:off x="7831665" y="3742266"/>
             <a:ext cx="262467" cy="262467"/>
           </a:xfrm>
           <a:prstGeom prst="rect">
@@ -4226,7 +4403,7 @@
         </p:blipFill>
         <p:spPr>
           <a:xfrm>
-            <a:off x="8889998" y="3369732"/>
+            <a:off x="7831665" y="3369732"/>
             <a:ext cx="262467" cy="262467"/>
           </a:xfrm>
           <a:prstGeom prst="rect">
@@ -4262,7 +4439,43 @@
         </p:blipFill>
         <p:spPr>
           <a:xfrm>
-            <a:off x="10735733" y="3022600"/>
+            <a:off x="9541933" y="3022600"/>
+            <a:ext cx="262467" cy="262467"/>
+          </a:xfrm>
+          <a:prstGeom prst="rect">
+            <a:avLst/>
+          </a:prstGeom>
+        </p:spPr>
+      </p:pic>
+      <p:pic>
+        <p:nvPicPr>
+          <p:cNvPr id="9" name="Graphic 12" descr="Checkmark with solid fill">
+            <a:extLst>
+              <a:ext uri="{FF2B5EF4-FFF2-40B4-BE49-F238E27FC236}">
+                <a16:creationId xmlns:a16="http://schemas.microsoft.com/office/drawing/2014/main" id="{5E0EB6CD-85CA-4448-A854-EA6CF16EBEA4}"/>
+              </a:ext>
+            </a:extLst>
+          </p:cNvPr>
+          <p:cNvPicPr>
+            <a:picLocks noChangeAspect="1"/>
+          </p:cNvPicPr>
+          <p:nvPr/>
+        </p:nvPicPr>
+        <p:blipFill>
+          <a:blip r:embed="rId2">
+            <a:extLst>
+              <a:ext uri="{96DAC541-7B7A-43D3-8B79-37D633B846F1}">
+                <asvg:svgBlip xmlns:asvg="http://schemas.microsoft.com/office/drawing/2016/SVG/main" r:embed="rId3"/>
+              </a:ext>
+            </a:extLst>
+          </a:blip>
+          <a:stretch>
+            <a:fillRect/>
+          </a:stretch>
+        </p:blipFill>
+        <p:spPr>
+          <a:xfrm>
+            <a:off x="11201399" y="3369733"/>
             <a:ext cx="262467" cy="262467"/>
           </a:xfrm>
           <a:prstGeom prst="rect">

--- a/placeholder.pptx
+++ b/placeholder.pptx
@@ -256,7 +256,7 @@
           <a:p>
             <a:fld id="{846CE7D5-CF57-46EF-B807-FDD0502418D4}" type="datetimeFigureOut">
               <a:rPr lang="en-US" smtClean="0"/>
-              <a:t>10/27/2021</a:t>
+              <a:t>11/1/2021</a:t>
             </a:fld>
             <a:endParaRPr lang="en-US"/>
           </a:p>
@@ -426,7 +426,7 @@
           <a:p>
             <a:fld id="{846CE7D5-CF57-46EF-B807-FDD0502418D4}" type="datetimeFigureOut">
               <a:rPr lang="en-US" smtClean="0"/>
-              <a:t>10/27/2021</a:t>
+              <a:t>11/1/2021</a:t>
             </a:fld>
             <a:endParaRPr lang="en-US"/>
           </a:p>
@@ -606,7 +606,7 @@
           <a:p>
             <a:fld id="{846CE7D5-CF57-46EF-B807-FDD0502418D4}" type="datetimeFigureOut">
               <a:rPr lang="en-US" smtClean="0"/>
-              <a:t>10/27/2021</a:t>
+              <a:t>11/1/2021</a:t>
             </a:fld>
             <a:endParaRPr lang="en-US"/>
           </a:p>
@@ -776,7 +776,7 @@
           <a:p>
             <a:fld id="{846CE7D5-CF57-46EF-B807-FDD0502418D4}" type="datetimeFigureOut">
               <a:rPr lang="en-US" smtClean="0"/>
-              <a:t>10/27/2021</a:t>
+              <a:t>11/1/2021</a:t>
             </a:fld>
             <a:endParaRPr lang="en-US"/>
           </a:p>
@@ -1022,7 +1022,7 @@
           <a:p>
             <a:fld id="{846CE7D5-CF57-46EF-B807-FDD0502418D4}" type="datetimeFigureOut">
               <a:rPr lang="en-US" smtClean="0"/>
-              <a:t>10/27/2021</a:t>
+              <a:t>11/1/2021</a:t>
             </a:fld>
             <a:endParaRPr lang="en-US"/>
           </a:p>
@@ -1254,7 +1254,7 @@
           <a:p>
             <a:fld id="{846CE7D5-CF57-46EF-B807-FDD0502418D4}" type="datetimeFigureOut">
               <a:rPr lang="en-US" smtClean="0"/>
-              <a:t>10/27/2021</a:t>
+              <a:t>11/1/2021</a:t>
             </a:fld>
             <a:endParaRPr lang="en-US"/>
           </a:p>
@@ -1621,7 +1621,7 @@
           <a:p>
             <a:fld id="{846CE7D5-CF57-46EF-B807-FDD0502418D4}" type="datetimeFigureOut">
               <a:rPr lang="en-US" smtClean="0"/>
-              <a:t>10/27/2021</a:t>
+              <a:t>11/1/2021</a:t>
             </a:fld>
             <a:endParaRPr lang="en-US"/>
           </a:p>
@@ -1739,7 +1739,7 @@
           <a:p>
             <a:fld id="{846CE7D5-CF57-46EF-B807-FDD0502418D4}" type="datetimeFigureOut">
               <a:rPr lang="en-US" smtClean="0"/>
-              <a:t>10/27/2021</a:t>
+              <a:t>11/1/2021</a:t>
             </a:fld>
             <a:endParaRPr lang="en-US"/>
           </a:p>
@@ -1834,7 +1834,7 @@
           <a:p>
             <a:fld id="{846CE7D5-CF57-46EF-B807-FDD0502418D4}" type="datetimeFigureOut">
               <a:rPr lang="en-US" smtClean="0"/>
-              <a:t>10/27/2021</a:t>
+              <a:t>11/1/2021</a:t>
             </a:fld>
             <a:endParaRPr lang="en-US"/>
           </a:p>
@@ -2111,7 +2111,7 @@
           <a:p>
             <a:fld id="{846CE7D5-CF57-46EF-B807-FDD0502418D4}" type="datetimeFigureOut">
               <a:rPr lang="en-US" smtClean="0"/>
-              <a:t>10/27/2021</a:t>
+              <a:t>11/1/2021</a:t>
             </a:fld>
             <a:endParaRPr lang="en-US"/>
           </a:p>
@@ -2368,7 +2368,7 @@
           <a:p>
             <a:fld id="{846CE7D5-CF57-46EF-B807-FDD0502418D4}" type="datetimeFigureOut">
               <a:rPr lang="en-US" smtClean="0"/>
-              <a:t>10/27/2021</a:t>
+              <a:t>11/1/2021</a:t>
             </a:fld>
             <a:endParaRPr lang="en-US"/>
           </a:p>
@@ -2581,7 +2581,7 @@
           <a:p>
             <a:fld id="{846CE7D5-CF57-46EF-B807-FDD0502418D4}" type="datetimeFigureOut">
               <a:rPr lang="en-US" smtClean="0"/>
-              <a:t>10/27/2021</a:t>
+              <a:t>11/1/2021</a:t>
             </a:fld>
             <a:endParaRPr lang="en-US"/>
           </a:p>
@@ -3076,7 +3076,7 @@
           <p:nvPr>
             <p:extLst>
               <p:ext uri="{D42A27DB-BD31-4B8C-83A1-F6EECF244321}">
-                <p14:modId xmlns:p14="http://schemas.microsoft.com/office/powerpoint/2010/main" val="1430207669"/>
+                <p14:modId xmlns:p14="http://schemas.microsoft.com/office/powerpoint/2010/main" val="3487016138"/>
               </p:ext>
             </p:extLst>
           </p:nvPr>
@@ -3251,8 +3251,8 @@
                     <a:p>
                       <a:pPr algn="ctr"/>
                       <a:r>
-                        <a:rPr lang="en-US" sz="1400" dirty="0" err="1"/>
-                        <a:t>HistC</a:t>
+                        <a:rPr lang="en-US" sz="1400" dirty="0"/>
+                        <a:t>KCC</a:t>
                       </a:r>
                     </a:p>
                   </a:txBody>
@@ -3532,10 +3532,7 @@
                         <a:rPr lang="en-US" sz="1400" u="none" strike="noStrike" noProof="0" dirty="0"/>
                         <a:t>Temperature</a:t>
                       </a:r>
-                      <a:r>
-                        <a:rPr lang="en-US" sz="1400" dirty="0"/>
-                        <a:t>, no 50-percentile</a:t>
-                      </a:r>
+                      <a:endParaRPr lang="en-US" sz="1400" dirty="0"/>
                     </a:p>
                   </a:txBody>
                   <a:tcPr anchor="ctr">

--- a/placeholder.pptx
+++ b/placeholder.pptx
@@ -115,6 +115,7 @@
 <file path=ppt/revisionInfo.xml><?xml version="1.0" encoding="utf-8"?>
 <p1510:revInfo xmlns:a="http://schemas.openxmlformats.org/drawingml/2006/main" xmlns:r="http://schemas.openxmlformats.org/officeDocument/2006/relationships" xmlns:p1510="http://schemas.microsoft.com/office/powerpoint/2015/10/main">
   <p1510:revLst>
+    <p1510:client id="{7794FEB2-B5CF-D5C2-BE99-9D5E08DE390D}" v="6" dt="2021-11-05T11:20:56.961"/>
     <p1510:client id="{954C6B30-C1EC-2E14-44FC-46DD14AB0CE6}" v="138" dt="2021-10-15T08:20:09.466"/>
     <p1510:client id="{AAA7A4B8-9221-52B9-7667-888169978280}" v="161" dt="2021-10-18T10:03:05.093"/>
     <p1510:client id="{ABB433DE-8DE7-EB65-11B0-F01847659B5B}" v="170" dt="2021-10-14T11:45:39.854"/>
@@ -256,7 +257,7 @@
           <a:p>
             <a:fld id="{846CE7D5-CF57-46EF-B807-FDD0502418D4}" type="datetimeFigureOut">
               <a:rPr lang="en-US" smtClean="0"/>
-              <a:t>11/1/2021</a:t>
+              <a:t>11/5/2021</a:t>
             </a:fld>
             <a:endParaRPr lang="en-US"/>
           </a:p>
@@ -426,7 +427,7 @@
           <a:p>
             <a:fld id="{846CE7D5-CF57-46EF-B807-FDD0502418D4}" type="datetimeFigureOut">
               <a:rPr lang="en-US" smtClean="0"/>
-              <a:t>11/1/2021</a:t>
+              <a:t>11/5/2021</a:t>
             </a:fld>
             <a:endParaRPr lang="en-US"/>
           </a:p>
@@ -606,7 +607,7 @@
           <a:p>
             <a:fld id="{846CE7D5-CF57-46EF-B807-FDD0502418D4}" type="datetimeFigureOut">
               <a:rPr lang="en-US" smtClean="0"/>
-              <a:t>11/1/2021</a:t>
+              <a:t>11/5/2021</a:t>
             </a:fld>
             <a:endParaRPr lang="en-US"/>
           </a:p>
@@ -776,7 +777,7 @@
           <a:p>
             <a:fld id="{846CE7D5-CF57-46EF-B807-FDD0502418D4}" type="datetimeFigureOut">
               <a:rPr lang="en-US" smtClean="0"/>
-              <a:t>11/1/2021</a:t>
+              <a:t>11/5/2021</a:t>
             </a:fld>
             <a:endParaRPr lang="en-US"/>
           </a:p>
@@ -1022,7 +1023,7 @@
           <a:p>
             <a:fld id="{846CE7D5-CF57-46EF-B807-FDD0502418D4}" type="datetimeFigureOut">
               <a:rPr lang="en-US" smtClean="0"/>
-              <a:t>11/1/2021</a:t>
+              <a:t>11/5/2021</a:t>
             </a:fld>
             <a:endParaRPr lang="en-US"/>
           </a:p>
@@ -1254,7 +1255,7 @@
           <a:p>
             <a:fld id="{846CE7D5-CF57-46EF-B807-FDD0502418D4}" type="datetimeFigureOut">
               <a:rPr lang="en-US" smtClean="0"/>
-              <a:t>11/1/2021</a:t>
+              <a:t>11/5/2021</a:t>
             </a:fld>
             <a:endParaRPr lang="en-US"/>
           </a:p>
@@ -1621,7 +1622,7 @@
           <a:p>
             <a:fld id="{846CE7D5-CF57-46EF-B807-FDD0502418D4}" type="datetimeFigureOut">
               <a:rPr lang="en-US" smtClean="0"/>
-              <a:t>11/1/2021</a:t>
+              <a:t>11/5/2021</a:t>
             </a:fld>
             <a:endParaRPr lang="en-US"/>
           </a:p>
@@ -1739,7 +1740,7 @@
           <a:p>
             <a:fld id="{846CE7D5-CF57-46EF-B807-FDD0502418D4}" type="datetimeFigureOut">
               <a:rPr lang="en-US" smtClean="0"/>
-              <a:t>11/1/2021</a:t>
+              <a:t>11/5/2021</a:t>
             </a:fld>
             <a:endParaRPr lang="en-US"/>
           </a:p>
@@ -1834,7 +1835,7 @@
           <a:p>
             <a:fld id="{846CE7D5-CF57-46EF-B807-FDD0502418D4}" type="datetimeFigureOut">
               <a:rPr lang="en-US" smtClean="0"/>
-              <a:t>11/1/2021</a:t>
+              <a:t>11/5/2021</a:t>
             </a:fld>
             <a:endParaRPr lang="en-US"/>
           </a:p>
@@ -2111,7 +2112,7 @@
           <a:p>
             <a:fld id="{846CE7D5-CF57-46EF-B807-FDD0502418D4}" type="datetimeFigureOut">
               <a:rPr lang="en-US" smtClean="0"/>
-              <a:t>11/1/2021</a:t>
+              <a:t>11/5/2021</a:t>
             </a:fld>
             <a:endParaRPr lang="en-US"/>
           </a:p>
@@ -2368,7 +2369,7 @@
           <a:p>
             <a:fld id="{846CE7D5-CF57-46EF-B807-FDD0502418D4}" type="datetimeFigureOut">
               <a:rPr lang="en-US" smtClean="0"/>
-              <a:t>11/1/2021</a:t>
+              <a:t>11/5/2021</a:t>
             </a:fld>
             <a:endParaRPr lang="en-US"/>
           </a:p>
@@ -2581,7 +2582,7 @@
           <a:p>
             <a:fld id="{846CE7D5-CF57-46EF-B807-FDD0502418D4}" type="datetimeFigureOut">
               <a:rPr lang="en-US" smtClean="0"/>
-              <a:t>11/1/2021</a:t>
+              <a:t>11/5/2021</a:t>
             </a:fld>
             <a:endParaRPr lang="en-US"/>
           </a:p>
@@ -3076,7 +3077,7 @@
           <p:nvPr>
             <p:extLst>
               <p:ext uri="{D42A27DB-BD31-4B8C-83A1-F6EECF244321}">
-                <p14:modId xmlns:p14="http://schemas.microsoft.com/office/powerpoint/2010/main" val="3487016138"/>
+                <p14:modId xmlns:p14="http://schemas.microsoft.com/office/powerpoint/2010/main" val="4075697866"/>
               </p:ext>
             </p:extLst>
           </p:nvPr>
@@ -3731,12 +3732,12 @@
                         <a:buNone/>
                       </a:pPr>
                       <a:r>
-                        <a:rPr lang="en-US" sz="1400" u="none" strike="noStrike" noProof="0" dirty="0"/>
-                        <a:t>Temperature, constrained</a:t>
+                        <a:rPr lang="en-US" sz="1400" b="1" i="0" u="none" strike="noStrike" noProof="0" dirty="0">
+                          <a:latin typeface="Calibri"/>
+                        </a:rPr>
+                        <a:t>X</a:t>
                       </a:r>
-                      <a:endParaRPr lang="en-US" sz="1400" b="0" i="0" u="none" strike="noStrike" noProof="0" dirty="0">
-                        <a:latin typeface="Calibri"/>
-                      </a:endParaRPr>
+                      <a:endParaRPr lang="en-US" dirty="0"/>
                     </a:p>
                   </a:txBody>
                   <a:tcPr anchor="ctr">
@@ -3761,10 +3762,7 @@
                       </a:solidFill>
                     </a:lnB>
                     <a:solidFill>
-                      <a:schemeClr val="accent4">
-                        <a:lumMod val="60000"/>
-                        <a:lumOff val="40000"/>
-                      </a:schemeClr>
+                      <a:srgbClr val="F54747"/>
                     </a:solidFill>
                   </a:tcPr>
                 </a:tc>
